--- a/train/Roadmap - Gap 1.0.pptx
+++ b/train/Roadmap - Gap 1.0.pptx
@@ -5,7 +5,7 @@
     <p:sldMasterId id="2147483648" r:id="rId1"/>
   </p:sldMasterIdLst>
   <p:notesMasterIdLst>
-    <p:notesMasterId r:id="rId8"/>
+    <p:notesMasterId r:id="rId9"/>
   </p:notesMasterIdLst>
   <p:sldIdLst>
     <p:sldId id="256" r:id="rId2"/>
@@ -14,6 +14,7 @@
     <p:sldId id="282" r:id="rId5"/>
     <p:sldId id="285" r:id="rId6"/>
     <p:sldId id="284" r:id="rId7"/>
+    <p:sldId id="286" r:id="rId8"/>
   </p:sldIdLst>
   <p:sldSz cx="9144000" cy="6858000" type="screen4x3"/>
   <p:notesSz cx="6858000" cy="9144000"/>
@@ -197,7 +198,7 @@
           <a:p>
             <a:fld id="{FAF957FC-5175-49AC-8D2B-2F056FFFC1DD}" type="datetimeFigureOut">
               <a:rPr lang="en-US" smtClean="0"/>
-              <a:t>7/8/2018</a:t>
+              <a:t>7/26/2018</a:t>
             </a:fld>
             <a:endParaRPr lang="en-US"/>
           </a:p>
@@ -647,7 +648,7 @@
             <a:fld id="{1D8BD707-D9CF-40AE-B4C6-C98DA3205C09}" type="datetimeFigureOut">
               <a:rPr lang="en-US" smtClean="0"/>
               <a:pPr/>
-              <a:t>7/8/2018</a:t>
+              <a:t>7/26/2018</a:t>
             </a:fld>
             <a:endParaRPr lang="en-US"/>
           </a:p>
@@ -814,7 +815,7 @@
             <a:fld id="{1D8BD707-D9CF-40AE-B4C6-C98DA3205C09}" type="datetimeFigureOut">
               <a:rPr lang="en-US" smtClean="0"/>
               <a:pPr/>
-              <a:t>7/8/2018</a:t>
+              <a:t>7/26/2018</a:t>
             </a:fld>
             <a:endParaRPr lang="en-US"/>
           </a:p>
@@ -991,7 +992,7 @@
             <a:fld id="{1D8BD707-D9CF-40AE-B4C6-C98DA3205C09}" type="datetimeFigureOut">
               <a:rPr lang="en-US" smtClean="0"/>
               <a:pPr/>
-              <a:t>7/8/2018</a:t>
+              <a:t>7/26/2018</a:t>
             </a:fld>
             <a:endParaRPr lang="en-US"/>
           </a:p>
@@ -1158,7 +1159,7 @@
             <a:fld id="{1D8BD707-D9CF-40AE-B4C6-C98DA3205C09}" type="datetimeFigureOut">
               <a:rPr lang="en-US" smtClean="0"/>
               <a:pPr/>
-              <a:t>7/8/2018</a:t>
+              <a:t>7/26/2018</a:t>
             </a:fld>
             <a:endParaRPr lang="en-US"/>
           </a:p>
@@ -1401,7 +1402,7 @@
             <a:fld id="{1D8BD707-D9CF-40AE-B4C6-C98DA3205C09}" type="datetimeFigureOut">
               <a:rPr lang="en-US" smtClean="0"/>
               <a:pPr/>
-              <a:t>7/8/2018</a:t>
+              <a:t>7/26/2018</a:t>
             </a:fld>
             <a:endParaRPr lang="en-US"/>
           </a:p>
@@ -1686,7 +1687,7 @@
             <a:fld id="{1D8BD707-D9CF-40AE-B4C6-C98DA3205C09}" type="datetimeFigureOut">
               <a:rPr lang="en-US" smtClean="0"/>
               <a:pPr/>
-              <a:t>7/8/2018</a:t>
+              <a:t>7/26/2018</a:t>
             </a:fld>
             <a:endParaRPr lang="en-US"/>
           </a:p>
@@ -2105,7 +2106,7 @@
             <a:fld id="{1D8BD707-D9CF-40AE-B4C6-C98DA3205C09}" type="datetimeFigureOut">
               <a:rPr lang="en-US" smtClean="0"/>
               <a:pPr/>
-              <a:t>7/8/2018</a:t>
+              <a:t>7/26/2018</a:t>
             </a:fld>
             <a:endParaRPr lang="en-US"/>
           </a:p>
@@ -2220,7 +2221,7 @@
             <a:fld id="{1D8BD707-D9CF-40AE-B4C6-C98DA3205C09}" type="datetimeFigureOut">
               <a:rPr lang="en-US" smtClean="0"/>
               <a:pPr/>
-              <a:t>7/8/2018</a:t>
+              <a:t>7/26/2018</a:t>
             </a:fld>
             <a:endParaRPr lang="en-US"/>
           </a:p>
@@ -2312,7 +2313,7 @@
             <a:fld id="{1D8BD707-D9CF-40AE-B4C6-C98DA3205C09}" type="datetimeFigureOut">
               <a:rPr lang="en-US" smtClean="0"/>
               <a:pPr/>
-              <a:t>7/8/2018</a:t>
+              <a:t>7/26/2018</a:t>
             </a:fld>
             <a:endParaRPr lang="en-US"/>
           </a:p>
@@ -2586,7 +2587,7 @@
             <a:fld id="{1D8BD707-D9CF-40AE-B4C6-C98DA3205C09}" type="datetimeFigureOut">
               <a:rPr lang="en-US" smtClean="0"/>
               <a:pPr/>
-              <a:t>7/8/2018</a:t>
+              <a:t>7/26/2018</a:t>
             </a:fld>
             <a:endParaRPr lang="en-US"/>
           </a:p>
@@ -2836,7 +2837,7 @@
             <a:fld id="{1D8BD707-D9CF-40AE-B4C6-C98DA3205C09}" type="datetimeFigureOut">
               <a:rPr lang="en-US" smtClean="0"/>
               <a:pPr/>
-              <a:t>7/8/2018</a:t>
+              <a:t>7/26/2018</a:t>
             </a:fld>
             <a:endParaRPr lang="en-US"/>
           </a:p>
@@ -3046,7 +3047,7 @@
             <a:fld id="{1D8BD707-D9CF-40AE-B4C6-C98DA3205C09}" type="datetimeFigureOut">
               <a:rPr lang="en-US" smtClean="0"/>
               <a:pPr/>
-              <a:t>7/8/2018</a:t>
+              <a:t>7/26/2018</a:t>
             </a:fld>
             <a:endParaRPr lang="en-US"/>
           </a:p>
@@ -3443,10 +3444,6 @@
               <a:rPr lang="en-US" dirty="0" smtClean="0"/>
               <a:t>Gap</a:t>
             </a:r>
-            <a:r>
-              <a:rPr lang="en-US" dirty="0" smtClean="0"/>
-              <a:t/>
-            </a:r>
             <a:br>
               <a:rPr lang="en-US" dirty="0" smtClean="0"/>
             </a:br>
@@ -3459,11 +3456,7 @@
             </a:br>
             <a:r>
               <a:rPr lang="en-US" dirty="0" smtClean="0"/>
-              <a:t>Open Source ML </a:t>
-            </a:r>
-            <a:r>
-              <a:rPr lang="en-US" dirty="0" smtClean="0"/>
-              <a:t>Framework</a:t>
+              <a:t>Open Source ML Framework</a:t>
             </a:r>
             <a:br>
               <a:rPr lang="en-US" dirty="0" smtClean="0"/>
@@ -3519,17 +3512,7 @@
                   </a:schemeClr>
                 </a:solidFill>
               </a:rPr>
-              <a:t>Created </a:t>
-            </a:r>
-            <a:r>
-              <a:rPr lang="en-US" sz="2400" dirty="0" smtClean="0">
-                <a:solidFill>
-                  <a:schemeClr val="accent1">
-                    <a:lumMod val="75000"/>
-                  </a:schemeClr>
-                </a:solidFill>
-              </a:rPr>
-              <a:t>by Andrew </a:t>
+              <a:t>Created by Andrew </a:t>
             </a:r>
             <a:r>
               <a:rPr lang="en-US" sz="2400" dirty="0" err="1" smtClean="0">
@@ -3825,13 +3808,6 @@
               </a:rPr>
               <a:t>Data Engineering Pipeline (Python)</a:t>
             </a:r>
-            <a:endParaRPr lang="en-US" sz="2400" b="1" dirty="0" smtClean="0">
-              <a:solidFill>
-                <a:schemeClr val="accent5">
-                  <a:lumMod val="75000"/>
-                </a:schemeClr>
-              </a:solidFill>
-            </a:endParaRPr>
           </a:p>
         </p:txBody>
       </p:sp>
@@ -4855,13 +4831,6 @@
               </a:rPr>
               <a:t>Splitter =&gt; Segmentation</a:t>
             </a:r>
-            <a:endParaRPr lang="en-US" sz="2400" b="1" dirty="0" smtClean="0">
-              <a:solidFill>
-                <a:schemeClr val="accent5">
-                  <a:lumMod val="75000"/>
-                </a:schemeClr>
-              </a:solidFill>
-            </a:endParaRPr>
           </a:p>
         </p:txBody>
       </p:sp>
@@ -5615,11 +5584,6 @@
               </a:rPr>
               <a:t>Captured Image</a:t>
             </a:r>
-            <a:endParaRPr lang="en-US" sz="1400" b="1" dirty="0">
-              <a:solidFill>
-                <a:prstClr val="black"/>
-              </a:solidFill>
-            </a:endParaRPr>
           </a:p>
         </p:txBody>
       </p:sp>
@@ -6635,13 +6599,6 @@
               </a:rPr>
               <a:t>Segmentation =&gt; Syntax</a:t>
             </a:r>
-            <a:endParaRPr lang="en-US" sz="2400" b="1" dirty="0" smtClean="0">
-              <a:solidFill>
-                <a:schemeClr val="accent5">
-                  <a:lumMod val="75000"/>
-                </a:schemeClr>
-              </a:solidFill>
-            </a:endParaRPr>
           </a:p>
         </p:txBody>
       </p:sp>
@@ -9478,13 +9435,6 @@
               </a:rPr>
               <a:t>Syntax =&gt; ML Ready Data</a:t>
             </a:r>
-            <a:endParaRPr lang="en-US" sz="2400" b="1" dirty="0" smtClean="0">
-              <a:solidFill>
-                <a:schemeClr val="accent5">
-                  <a:lumMod val="75000"/>
-                </a:schemeClr>
-              </a:solidFill>
-            </a:endParaRPr>
           </a:p>
         </p:txBody>
       </p:sp>
@@ -10455,17 +10405,7 @@
                   </a:schemeClr>
                 </a:solidFill>
               </a:rPr>
-              <a:t>Vision</a:t>
-            </a:r>
-            <a:r>
-              <a:rPr lang="en-US" dirty="0" smtClean="0">
-                <a:solidFill>
-                  <a:schemeClr val="accent1">
-                    <a:lumMod val="75000"/>
-                  </a:schemeClr>
-                </a:solidFill>
-              </a:rPr>
-              <a:t> Module</a:t>
+              <a:t>Vision Module</a:t>
             </a:r>
             <a:endParaRPr lang="en-US" dirty="0">
               <a:solidFill>
@@ -10544,13 +10484,6 @@
               </a:rPr>
               <a:t>Vision =&gt; ML Ready Data</a:t>
             </a:r>
-            <a:endParaRPr lang="en-US" sz="2400" b="1" dirty="0" smtClean="0">
-              <a:solidFill>
-                <a:schemeClr val="accent5">
-                  <a:lumMod val="75000"/>
-                </a:schemeClr>
-              </a:solidFill>
-            </a:endParaRPr>
           </a:p>
         </p:txBody>
       </p:sp>
@@ -11658,6 +11591,1537 @@
     <p:extLst>
       <p:ext uri="{BB962C8B-B14F-4D97-AF65-F5344CB8AC3E}">
         <p14:creationId xmlns:p14="http://schemas.microsoft.com/office/powerpoint/2010/main" val="574119385"/>
+      </p:ext>
+    </p:extLst>
+  </p:cSld>
+  <p:clrMapOvr>
+    <a:masterClrMapping/>
+  </p:clrMapOvr>
+  <p:timing>
+    <p:tnLst>
+      <p:par>
+        <p:cTn id="1" dur="indefinite" restart="never" nodeType="tmRoot"/>
+      </p:par>
+    </p:tnLst>
+  </p:timing>
+</p:sld>
+</file>
+
+<file path=ppt/slides/slide7.xml><?xml version="1.0" encoding="utf-8"?>
+<p:sld xmlns:a="http://schemas.openxmlformats.org/drawingml/2006/main" xmlns:r="http://schemas.openxmlformats.org/officeDocument/2006/relationships" xmlns:p="http://schemas.openxmlformats.org/presentationml/2006/main">
+  <p:cSld>
+    <p:spTree>
+      <p:nvGrpSpPr>
+        <p:cNvPr id="1" name=""/>
+        <p:cNvGrpSpPr/>
+        <p:nvPr/>
+      </p:nvGrpSpPr>
+      <p:grpSpPr>
+        <a:xfrm>
+          <a:off x="0" y="0"/>
+          <a:ext cx="0" cy="0"/>
+          <a:chOff x="0" y="0"/>
+          <a:chExt cx="0" cy="0"/>
+        </a:xfrm>
+      </p:grpSpPr>
+      <p:sp>
+        <p:nvSpPr>
+          <p:cNvPr id="2" name="Title 1"/>
+          <p:cNvSpPr>
+            <a:spLocks noGrp="1"/>
+          </p:cNvSpPr>
+          <p:nvPr>
+            <p:ph type="title"/>
+          </p:nvPr>
+        </p:nvSpPr>
+        <p:spPr>
+          <a:xfrm>
+            <a:off x="457200" y="274638"/>
+            <a:ext cx="8305800" cy="792162"/>
+          </a:xfrm>
+        </p:spPr>
+        <p:txBody>
+          <a:bodyPr>
+            <a:normAutofit/>
+          </a:bodyPr>
+          <a:lstStyle/>
+          <a:p>
+            <a:pPr algn="l"/>
+            <a:r>
+              <a:rPr lang="en-US" dirty="0" smtClean="0">
+                <a:solidFill>
+                  <a:schemeClr val="accent1">
+                    <a:lumMod val="75000"/>
+                  </a:schemeClr>
+                </a:solidFill>
+              </a:rPr>
+              <a:t>Vision Module</a:t>
+            </a:r>
+            <a:endParaRPr lang="en-US" dirty="0">
+              <a:solidFill>
+                <a:schemeClr val="accent1">
+                  <a:lumMod val="75000"/>
+                </a:schemeClr>
+              </a:solidFill>
+            </a:endParaRPr>
+          </a:p>
+        </p:txBody>
+      </p:sp>
+      <p:cxnSp>
+        <p:nvCxnSpPr>
+          <p:cNvPr id="5" name="Straight Connector 4"/>
+          <p:cNvCxnSpPr/>
+          <p:nvPr/>
+        </p:nvCxnSpPr>
+        <p:spPr>
+          <a:xfrm>
+            <a:off x="0" y="990600"/>
+            <a:ext cx="9144000" cy="0"/>
+          </a:xfrm>
+          <a:prstGeom prst="line">
+            <a:avLst/>
+          </a:prstGeom>
+          <a:ln w="19050"/>
+        </p:spPr>
+        <p:style>
+          <a:lnRef idx="1">
+            <a:schemeClr val="accent1"/>
+          </a:lnRef>
+          <a:fillRef idx="0">
+            <a:schemeClr val="accent1"/>
+          </a:fillRef>
+          <a:effectRef idx="0">
+            <a:schemeClr val="accent1"/>
+          </a:effectRef>
+          <a:fontRef idx="minor">
+            <a:schemeClr val="tx1"/>
+          </a:fontRef>
+        </p:style>
+      </p:cxnSp>
+      <p:sp>
+        <p:nvSpPr>
+          <p:cNvPr id="36" name="TextBox 35"/>
+          <p:cNvSpPr txBox="1"/>
+          <p:nvPr/>
+        </p:nvSpPr>
+        <p:spPr>
+          <a:xfrm>
+            <a:off x="152400" y="1164134"/>
+            <a:ext cx="3766865" cy="461665"/>
+          </a:xfrm>
+          <a:prstGeom prst="rect">
+            <a:avLst/>
+          </a:prstGeom>
+          <a:noFill/>
+        </p:spPr>
+        <p:txBody>
+          <a:bodyPr wrap="none" rtlCol="0">
+            <a:spAutoFit/>
+          </a:bodyPr>
+          <a:lstStyle/>
+          <a:p>
+            <a:pPr marL="285750" indent="-285750">
+              <a:buFont typeface="Arial" panose="020B0604020202020204" pitchFamily="34" charset="0"/>
+              <a:buChar char="•"/>
+            </a:pPr>
+            <a:r>
+              <a:rPr lang="en-US" sz="2400" b="1" dirty="0" smtClean="0">
+                <a:solidFill>
+                  <a:schemeClr val="accent5">
+                    <a:lumMod val="75000"/>
+                  </a:schemeClr>
+                </a:solidFill>
+              </a:rPr>
+              <a:t>ML Ready Data - Retrieval</a:t>
+            </a:r>
+            <a:endParaRPr lang="en-US" sz="2400" b="1" dirty="0" smtClean="0">
+              <a:solidFill>
+                <a:schemeClr val="accent5">
+                  <a:lumMod val="75000"/>
+                </a:schemeClr>
+              </a:solidFill>
+            </a:endParaRPr>
+          </a:p>
+        </p:txBody>
+      </p:sp>
+      <p:sp>
+        <p:nvSpPr>
+          <p:cNvPr id="24" name="Right Arrow 23"/>
+          <p:cNvSpPr/>
+          <p:nvPr/>
+        </p:nvSpPr>
+        <p:spPr>
+          <a:xfrm>
+            <a:off x="1204015" y="3373286"/>
+            <a:ext cx="228600" cy="1013966"/>
+          </a:xfrm>
+          <a:prstGeom prst="rightArrow">
+            <a:avLst/>
+          </a:prstGeom>
+          <a:solidFill>
+            <a:schemeClr val="bg1">
+              <a:lumMod val="50000"/>
+            </a:schemeClr>
+          </a:solidFill>
+          <a:ln>
+            <a:solidFill>
+              <a:schemeClr val="bg1">
+                <a:lumMod val="50000"/>
+              </a:schemeClr>
+            </a:solidFill>
+          </a:ln>
+        </p:spPr>
+        <p:style>
+          <a:lnRef idx="2">
+            <a:schemeClr val="accent1">
+              <a:shade val="50000"/>
+            </a:schemeClr>
+          </a:lnRef>
+          <a:fillRef idx="1">
+            <a:schemeClr val="accent1"/>
+          </a:fillRef>
+          <a:effectRef idx="0">
+            <a:schemeClr val="accent1"/>
+          </a:effectRef>
+          <a:fontRef idx="minor">
+            <a:schemeClr val="lt1"/>
+          </a:fontRef>
+        </p:style>
+        <p:txBody>
+          <a:bodyPr rtlCol="0" anchor="ctr"/>
+          <a:lstStyle/>
+          <a:p>
+            <a:pPr algn="ctr"/>
+            <a:endParaRPr lang="en-US"/>
+          </a:p>
+        </p:txBody>
+      </p:sp>
+      <p:sp>
+        <p:nvSpPr>
+          <p:cNvPr id="28" name="Right Arrow 27"/>
+          <p:cNvSpPr/>
+          <p:nvPr/>
+        </p:nvSpPr>
+        <p:spPr>
+          <a:xfrm rot="19214918">
+            <a:off x="2896250" y="2778283"/>
+            <a:ext cx="257996" cy="1015065"/>
+          </a:xfrm>
+          <a:prstGeom prst="rightArrow">
+            <a:avLst/>
+          </a:prstGeom>
+          <a:solidFill>
+            <a:schemeClr val="bg1">
+              <a:lumMod val="50000"/>
+            </a:schemeClr>
+          </a:solidFill>
+          <a:ln>
+            <a:solidFill>
+              <a:schemeClr val="bg1">
+                <a:lumMod val="50000"/>
+              </a:schemeClr>
+            </a:solidFill>
+          </a:ln>
+        </p:spPr>
+        <p:style>
+          <a:lnRef idx="2">
+            <a:schemeClr val="accent1">
+              <a:shade val="50000"/>
+            </a:schemeClr>
+          </a:lnRef>
+          <a:fillRef idx="1">
+            <a:schemeClr val="accent1"/>
+          </a:fillRef>
+          <a:effectRef idx="0">
+            <a:schemeClr val="accent1"/>
+          </a:effectRef>
+          <a:fontRef idx="minor">
+            <a:schemeClr val="lt1"/>
+          </a:fontRef>
+        </p:style>
+        <p:txBody>
+          <a:bodyPr rtlCol="0" anchor="ctr"/>
+          <a:lstStyle/>
+          <a:p>
+            <a:pPr algn="ctr"/>
+            <a:endParaRPr lang="en-US"/>
+          </a:p>
+        </p:txBody>
+      </p:sp>
+      <p:sp>
+        <p:nvSpPr>
+          <p:cNvPr id="33" name="Folded Corner 32"/>
+          <p:cNvSpPr/>
+          <p:nvPr/>
+        </p:nvSpPr>
+        <p:spPr>
+          <a:xfrm>
+            <a:off x="6985098" y="2072930"/>
+            <a:ext cx="1158063" cy="1087337"/>
+          </a:xfrm>
+          <a:prstGeom prst="foldedCorner">
+            <a:avLst/>
+          </a:prstGeom>
+          <a:noFill/>
+          <a:ln>
+            <a:solidFill>
+              <a:schemeClr val="accent5">
+                <a:lumMod val="75000"/>
+              </a:schemeClr>
+            </a:solidFill>
+          </a:ln>
+        </p:spPr>
+        <p:style>
+          <a:lnRef idx="2">
+            <a:schemeClr val="accent1">
+              <a:shade val="50000"/>
+            </a:schemeClr>
+          </a:lnRef>
+          <a:fillRef idx="1">
+            <a:schemeClr val="accent1"/>
+          </a:fillRef>
+          <a:effectRef idx="0">
+            <a:schemeClr val="accent1"/>
+          </a:effectRef>
+          <a:fontRef idx="minor">
+            <a:schemeClr val="lt1"/>
+          </a:fontRef>
+        </p:style>
+        <p:txBody>
+          <a:bodyPr rtlCol="0" anchor="ctr"/>
+          <a:lstStyle/>
+          <a:p>
+            <a:pPr algn="ctr"/>
+            <a:endParaRPr lang="en-US"/>
+          </a:p>
+        </p:txBody>
+      </p:sp>
+      <p:sp>
+        <p:nvSpPr>
+          <p:cNvPr id="45" name="TextBox 44"/>
+          <p:cNvSpPr txBox="1"/>
+          <p:nvPr/>
+        </p:nvSpPr>
+        <p:spPr>
+          <a:xfrm>
+            <a:off x="7131666" y="2165177"/>
+            <a:ext cx="822854" cy="584775"/>
+          </a:xfrm>
+          <a:prstGeom prst="rect">
+            <a:avLst/>
+          </a:prstGeom>
+          <a:noFill/>
+        </p:spPr>
+        <p:txBody>
+          <a:bodyPr wrap="none" rtlCol="0">
+            <a:spAutoFit/>
+          </a:bodyPr>
+          <a:lstStyle/>
+          <a:p>
+            <a:r>
+              <a:rPr lang="en-US" sz="1600" dirty="0" smtClean="0"/>
+              <a:t/>
+            </a:r>
+            <a:br>
+              <a:rPr lang="en-US" sz="1600" dirty="0" smtClean="0"/>
+            </a:br>
+            <a:r>
+              <a:rPr lang="en-US" sz="1600" dirty="0" smtClean="0"/>
+              <a:t>  BATCH</a:t>
+            </a:r>
+            <a:endParaRPr lang="en-US" sz="1600" dirty="0"/>
+          </a:p>
+        </p:txBody>
+      </p:sp>
+      <p:sp>
+        <p:nvSpPr>
+          <p:cNvPr id="46" name="Right Arrow 45"/>
+          <p:cNvSpPr/>
+          <p:nvPr/>
+        </p:nvSpPr>
+        <p:spPr>
+          <a:xfrm>
+            <a:off x="3262578" y="3704337"/>
+            <a:ext cx="1766622" cy="468320"/>
+          </a:xfrm>
+          <a:prstGeom prst="rightArrow">
+            <a:avLst/>
+          </a:prstGeom>
+          <a:solidFill>
+            <a:schemeClr val="bg1">
+              <a:lumMod val="50000"/>
+            </a:schemeClr>
+          </a:solidFill>
+          <a:ln>
+            <a:solidFill>
+              <a:schemeClr val="bg1">
+                <a:lumMod val="50000"/>
+              </a:schemeClr>
+            </a:solidFill>
+          </a:ln>
+        </p:spPr>
+        <p:style>
+          <a:lnRef idx="2">
+            <a:schemeClr val="accent1">
+              <a:shade val="50000"/>
+            </a:schemeClr>
+          </a:lnRef>
+          <a:fillRef idx="1">
+            <a:schemeClr val="accent1"/>
+          </a:fillRef>
+          <a:effectRef idx="0">
+            <a:schemeClr val="accent1"/>
+          </a:effectRef>
+          <a:fontRef idx="minor">
+            <a:schemeClr val="lt1"/>
+          </a:fontRef>
+        </p:style>
+        <p:txBody>
+          <a:bodyPr rtlCol="0" anchor="ctr"/>
+          <a:lstStyle/>
+          <a:p>
+            <a:pPr algn="ctr"/>
+            <a:endParaRPr lang="en-US"/>
+          </a:p>
+        </p:txBody>
+      </p:sp>
+      <p:sp>
+        <p:nvSpPr>
+          <p:cNvPr id="47" name="Can 46"/>
+          <p:cNvSpPr/>
+          <p:nvPr/>
+        </p:nvSpPr>
+        <p:spPr>
+          <a:xfrm>
+            <a:off x="417231" y="1868275"/>
+            <a:ext cx="731630" cy="4298004"/>
+          </a:xfrm>
+          <a:prstGeom prst="can">
+            <a:avLst/>
+          </a:prstGeom>
+          <a:solidFill>
+            <a:schemeClr val="bg2">
+              <a:lumMod val="50000"/>
+            </a:schemeClr>
+          </a:solidFill>
+          <a:ln>
+            <a:solidFill>
+              <a:schemeClr val="bg1">
+                <a:lumMod val="50000"/>
+              </a:schemeClr>
+            </a:solidFill>
+          </a:ln>
+        </p:spPr>
+        <p:style>
+          <a:lnRef idx="2">
+            <a:schemeClr val="accent1">
+              <a:shade val="50000"/>
+            </a:schemeClr>
+          </a:lnRef>
+          <a:fillRef idx="1">
+            <a:schemeClr val="accent1"/>
+          </a:fillRef>
+          <a:effectRef idx="0">
+            <a:schemeClr val="accent1"/>
+          </a:effectRef>
+          <a:fontRef idx="minor">
+            <a:schemeClr val="lt1"/>
+          </a:fontRef>
+        </p:style>
+        <p:txBody>
+          <a:bodyPr rtlCol="0" anchor="ctr"/>
+          <a:lstStyle/>
+          <a:p>
+            <a:pPr algn="ctr"/>
+            <a:endParaRPr lang="en-US"/>
+          </a:p>
+        </p:txBody>
+      </p:sp>
+      <p:sp>
+        <p:nvSpPr>
+          <p:cNvPr id="48" name="TextBox 47"/>
+          <p:cNvSpPr txBox="1"/>
+          <p:nvPr/>
+        </p:nvSpPr>
+        <p:spPr>
+          <a:xfrm>
+            <a:off x="233216" y="1600355"/>
+            <a:ext cx="2398798" cy="307777"/>
+          </a:xfrm>
+          <a:prstGeom prst="rect">
+            <a:avLst/>
+          </a:prstGeom>
+          <a:noFill/>
+        </p:spPr>
+        <p:txBody>
+          <a:bodyPr wrap="none" rtlCol="0">
+            <a:spAutoFit/>
+          </a:bodyPr>
+          <a:lstStyle/>
+          <a:p>
+            <a:r>
+              <a:rPr lang="en-US" sz="1400" b="1" dirty="0" smtClean="0"/>
+              <a:t>Machine Learning Ready Data</a:t>
+            </a:r>
+            <a:endParaRPr lang="en-US" sz="1400" b="1" dirty="0"/>
+          </a:p>
+        </p:txBody>
+      </p:sp>
+      <p:sp>
+        <p:nvSpPr>
+          <p:cNvPr id="49" name="Oval 48"/>
+          <p:cNvSpPr/>
+          <p:nvPr/>
+        </p:nvSpPr>
+        <p:spPr>
+          <a:xfrm>
+            <a:off x="1535998" y="3120400"/>
+            <a:ext cx="1447800" cy="1576834"/>
+          </a:xfrm>
+          <a:prstGeom prst="ellipse">
+            <a:avLst/>
+          </a:prstGeom>
+          <a:solidFill>
+            <a:srgbClr val="00B050"/>
+          </a:solidFill>
+          <a:ln>
+            <a:solidFill>
+              <a:schemeClr val="accent3">
+                <a:lumMod val="75000"/>
+              </a:schemeClr>
+            </a:solidFill>
+          </a:ln>
+        </p:spPr>
+        <p:style>
+          <a:lnRef idx="2">
+            <a:schemeClr val="accent1">
+              <a:shade val="50000"/>
+            </a:schemeClr>
+          </a:lnRef>
+          <a:fillRef idx="1">
+            <a:schemeClr val="accent1"/>
+          </a:fillRef>
+          <a:effectRef idx="0">
+            <a:schemeClr val="accent1"/>
+          </a:effectRef>
+          <a:fontRef idx="minor">
+            <a:schemeClr val="lt1"/>
+          </a:fontRef>
+        </p:style>
+        <p:txBody>
+          <a:bodyPr rtlCol="0" anchor="ctr"/>
+          <a:lstStyle/>
+          <a:p>
+            <a:pPr algn="ctr"/>
+            <a:r>
+              <a:rPr lang="en-US" dirty="0" smtClean="0"/>
+              <a:t>VISION</a:t>
+            </a:r>
+            <a:r>
+              <a:rPr lang="en-US" dirty="0"/>
+              <a:t/>
+            </a:r>
+            <a:br>
+              <a:rPr lang="en-US" dirty="0"/>
+            </a:br>
+            <a:r>
+              <a:rPr lang="en-US" sz="1400" dirty="0" smtClean="0">
+                <a:solidFill>
+                  <a:schemeClr val="tx1"/>
+                </a:solidFill>
+              </a:rPr>
+              <a:t>(CV)</a:t>
+            </a:r>
+            <a:endParaRPr lang="en-US" sz="1400" dirty="0">
+              <a:solidFill>
+                <a:schemeClr val="tx1"/>
+              </a:solidFill>
+            </a:endParaRPr>
+          </a:p>
+        </p:txBody>
+      </p:sp>
+      <p:sp>
+        <p:nvSpPr>
+          <p:cNvPr id="55" name="Folded Corner 54"/>
+          <p:cNvSpPr/>
+          <p:nvPr/>
+        </p:nvSpPr>
+        <p:spPr>
+          <a:xfrm>
+            <a:off x="7008698" y="3336602"/>
+            <a:ext cx="1134464" cy="1087337"/>
+          </a:xfrm>
+          <a:prstGeom prst="foldedCorner">
+            <a:avLst/>
+          </a:prstGeom>
+          <a:noFill/>
+          <a:ln>
+            <a:solidFill>
+              <a:schemeClr val="accent5">
+                <a:lumMod val="75000"/>
+              </a:schemeClr>
+            </a:solidFill>
+          </a:ln>
+        </p:spPr>
+        <p:style>
+          <a:lnRef idx="2">
+            <a:schemeClr val="accent1">
+              <a:shade val="50000"/>
+            </a:schemeClr>
+          </a:lnRef>
+          <a:fillRef idx="1">
+            <a:schemeClr val="accent1"/>
+          </a:fillRef>
+          <a:effectRef idx="0">
+            <a:schemeClr val="accent1"/>
+          </a:effectRef>
+          <a:fontRef idx="minor">
+            <a:schemeClr val="lt1"/>
+          </a:fontRef>
+        </p:style>
+        <p:txBody>
+          <a:bodyPr rtlCol="0" anchor="ctr"/>
+          <a:lstStyle/>
+          <a:p>
+            <a:pPr algn="ctr"/>
+            <a:endParaRPr lang="en-US"/>
+          </a:p>
+        </p:txBody>
+      </p:sp>
+      <p:sp>
+        <p:nvSpPr>
+          <p:cNvPr id="56" name="TextBox 55"/>
+          <p:cNvSpPr txBox="1"/>
+          <p:nvPr/>
+        </p:nvSpPr>
+        <p:spPr>
+          <a:xfrm>
+            <a:off x="7229930" y="3587882"/>
+            <a:ext cx="729880" cy="584775"/>
+          </a:xfrm>
+          <a:prstGeom prst="rect">
+            <a:avLst/>
+          </a:prstGeom>
+          <a:noFill/>
+        </p:spPr>
+        <p:txBody>
+          <a:bodyPr wrap="none" rtlCol="0">
+            <a:spAutoFit/>
+          </a:bodyPr>
+          <a:lstStyle/>
+          <a:p>
+            <a:r>
+              <a:rPr lang="en-US" sz="1600" dirty="0" smtClean="0"/>
+              <a:t>MINI-</a:t>
+            </a:r>
+            <a:br>
+              <a:rPr lang="en-US" sz="1600" dirty="0" smtClean="0"/>
+            </a:br>
+            <a:r>
+              <a:rPr lang="en-US" sz="1600" dirty="0" smtClean="0"/>
+              <a:t>BATCH</a:t>
+            </a:r>
+            <a:endParaRPr lang="en-US" sz="1600" dirty="0" smtClean="0"/>
+          </a:p>
+        </p:txBody>
+      </p:sp>
+      <p:sp>
+        <p:nvSpPr>
+          <p:cNvPr id="57" name="Folded Corner 56"/>
+          <p:cNvSpPr/>
+          <p:nvPr/>
+        </p:nvSpPr>
+        <p:spPr>
+          <a:xfrm>
+            <a:off x="7007845" y="4639885"/>
+            <a:ext cx="1174050" cy="1087337"/>
+          </a:xfrm>
+          <a:prstGeom prst="foldedCorner">
+            <a:avLst/>
+          </a:prstGeom>
+          <a:noFill/>
+          <a:ln>
+            <a:solidFill>
+              <a:schemeClr val="accent5">
+                <a:lumMod val="75000"/>
+              </a:schemeClr>
+            </a:solidFill>
+          </a:ln>
+        </p:spPr>
+        <p:style>
+          <a:lnRef idx="2">
+            <a:schemeClr val="accent1">
+              <a:shade val="50000"/>
+            </a:schemeClr>
+          </a:lnRef>
+          <a:fillRef idx="1">
+            <a:schemeClr val="accent1"/>
+          </a:fillRef>
+          <a:effectRef idx="0">
+            <a:schemeClr val="accent1"/>
+          </a:effectRef>
+          <a:fontRef idx="minor">
+            <a:schemeClr val="lt1"/>
+          </a:fontRef>
+        </p:style>
+        <p:txBody>
+          <a:bodyPr rtlCol="0" anchor="ctr"/>
+          <a:lstStyle/>
+          <a:p>
+            <a:pPr algn="ctr"/>
+            <a:endParaRPr lang="en-US"/>
+          </a:p>
+        </p:txBody>
+      </p:sp>
+      <p:sp>
+        <p:nvSpPr>
+          <p:cNvPr id="58" name="TextBox 57"/>
+          <p:cNvSpPr txBox="1"/>
+          <p:nvPr/>
+        </p:nvSpPr>
+        <p:spPr>
+          <a:xfrm>
+            <a:off x="7031871" y="5014276"/>
+            <a:ext cx="1088118" cy="338554"/>
+          </a:xfrm>
+          <a:prstGeom prst="rect">
+            <a:avLst/>
+          </a:prstGeom>
+          <a:noFill/>
+        </p:spPr>
+        <p:txBody>
+          <a:bodyPr wrap="none" rtlCol="0">
+            <a:spAutoFit/>
+          </a:bodyPr>
+          <a:lstStyle/>
+          <a:p>
+            <a:r>
+              <a:rPr lang="en-US" sz="1600" dirty="0" smtClean="0"/>
+              <a:t>STOCASTIC</a:t>
+            </a:r>
+            <a:endParaRPr lang="en-US" sz="1600" dirty="0"/>
+          </a:p>
+        </p:txBody>
+      </p:sp>
+      <p:sp>
+        <p:nvSpPr>
+          <p:cNvPr id="59" name="TextBox 58"/>
+          <p:cNvSpPr txBox="1"/>
+          <p:nvPr/>
+        </p:nvSpPr>
+        <p:spPr>
+          <a:xfrm>
+            <a:off x="1790680" y="5980533"/>
+            <a:ext cx="801823" cy="461665"/>
+          </a:xfrm>
+          <a:prstGeom prst="rect">
+            <a:avLst/>
+          </a:prstGeom>
+          <a:noFill/>
+        </p:spPr>
+        <p:txBody>
+          <a:bodyPr wrap="none" rtlCol="0">
+            <a:spAutoFit/>
+          </a:bodyPr>
+          <a:lstStyle/>
+          <a:p>
+            <a:r>
+              <a:rPr lang="en-US" sz="1200" b="1" dirty="0" smtClean="0"/>
+              <a:t>HDF5 file </a:t>
+            </a:r>
+            <a:br>
+              <a:rPr lang="en-US" sz="1200" b="1" dirty="0" smtClean="0"/>
+            </a:br>
+            <a:r>
+              <a:rPr lang="en-US" sz="1200" b="1" dirty="0" smtClean="0"/>
+              <a:t>encoding</a:t>
+            </a:r>
+            <a:endParaRPr lang="en-US" sz="1200" b="1" dirty="0"/>
+          </a:p>
+        </p:txBody>
+      </p:sp>
+      <p:cxnSp>
+        <p:nvCxnSpPr>
+          <p:cNvPr id="60" name="Curved Connector 59"/>
+          <p:cNvCxnSpPr/>
+          <p:nvPr/>
+        </p:nvCxnSpPr>
+        <p:spPr>
+          <a:xfrm rot="10800000">
+            <a:off x="1148862" y="5672620"/>
+            <a:ext cx="616525" cy="462939"/>
+          </a:xfrm>
+          <a:prstGeom prst="curvedConnector3">
+            <a:avLst>
+              <a:gd name="adj1" fmla="val 50000"/>
+            </a:avLst>
+          </a:prstGeom>
+          <a:ln>
+            <a:solidFill>
+              <a:schemeClr val="tx1"/>
+            </a:solidFill>
+            <a:tailEnd type="arrow"/>
+          </a:ln>
+        </p:spPr>
+        <p:style>
+          <a:lnRef idx="1">
+            <a:schemeClr val="accent1"/>
+          </a:lnRef>
+          <a:fillRef idx="0">
+            <a:schemeClr val="accent1"/>
+          </a:fillRef>
+          <a:effectRef idx="0">
+            <a:schemeClr val="accent1"/>
+          </a:effectRef>
+          <a:fontRef idx="minor">
+            <a:schemeClr val="tx1"/>
+          </a:fontRef>
+        </p:style>
+      </p:cxnSp>
+      <p:cxnSp>
+        <p:nvCxnSpPr>
+          <p:cNvPr id="61" name="Curved Connector 60"/>
+          <p:cNvCxnSpPr/>
+          <p:nvPr/>
+        </p:nvCxnSpPr>
+        <p:spPr>
+          <a:xfrm rot="16200000" flipV="1">
+            <a:off x="7923481" y="5710258"/>
+            <a:ext cx="402910" cy="400485"/>
+          </a:xfrm>
+          <a:prstGeom prst="curvedConnector3">
+            <a:avLst>
+              <a:gd name="adj1" fmla="val 50000"/>
+            </a:avLst>
+          </a:prstGeom>
+          <a:ln>
+            <a:solidFill>
+              <a:schemeClr val="tx1"/>
+            </a:solidFill>
+            <a:tailEnd type="arrow"/>
+          </a:ln>
+        </p:spPr>
+        <p:style>
+          <a:lnRef idx="1">
+            <a:schemeClr val="accent1"/>
+          </a:lnRef>
+          <a:fillRef idx="0">
+            <a:schemeClr val="accent1"/>
+          </a:fillRef>
+          <a:effectRef idx="0">
+            <a:schemeClr val="accent1"/>
+          </a:effectRef>
+          <a:fontRef idx="minor">
+            <a:schemeClr val="tx1"/>
+          </a:fontRef>
+        </p:style>
+      </p:cxnSp>
+      <p:sp>
+        <p:nvSpPr>
+          <p:cNvPr id="62" name="TextBox 61"/>
+          <p:cNvSpPr txBox="1"/>
+          <p:nvPr/>
+        </p:nvSpPr>
+        <p:spPr>
+          <a:xfrm>
+            <a:off x="8032984" y="6159219"/>
+            <a:ext cx="968022" cy="461665"/>
+          </a:xfrm>
+          <a:prstGeom prst="rect">
+            <a:avLst/>
+          </a:prstGeom>
+          <a:noFill/>
+        </p:spPr>
+        <p:txBody>
+          <a:bodyPr wrap="none" rtlCol="0">
+            <a:spAutoFit/>
+          </a:bodyPr>
+          <a:lstStyle/>
+          <a:p>
+            <a:r>
+              <a:rPr lang="en-US" sz="1200" b="1" dirty="0" err="1" smtClean="0"/>
+              <a:t>Numpy</a:t>
+            </a:r>
+            <a:r>
+              <a:rPr lang="en-US" sz="1200" b="1" dirty="0" smtClean="0"/>
+              <a:t> data</a:t>
+            </a:r>
+          </a:p>
+          <a:p>
+            <a:r>
+              <a:rPr lang="en-US" sz="1200" b="1" dirty="0" smtClean="0"/>
+              <a:t>encoding</a:t>
+            </a:r>
+            <a:endParaRPr lang="en-US" sz="1200" b="1" dirty="0"/>
+          </a:p>
+        </p:txBody>
+      </p:sp>
+      <p:sp>
+        <p:nvSpPr>
+          <p:cNvPr id="26" name="Oval 25"/>
+          <p:cNvSpPr/>
+          <p:nvPr/>
+        </p:nvSpPr>
+        <p:spPr>
+          <a:xfrm>
+            <a:off x="3089673" y="1817153"/>
+            <a:ext cx="1447800" cy="1576834"/>
+          </a:xfrm>
+          <a:prstGeom prst="ellipse">
+            <a:avLst/>
+          </a:prstGeom>
+          <a:solidFill>
+            <a:srgbClr val="92D050"/>
+          </a:solidFill>
+          <a:ln>
+            <a:solidFill>
+              <a:schemeClr val="accent3">
+                <a:lumMod val="75000"/>
+              </a:schemeClr>
+            </a:solidFill>
+          </a:ln>
+        </p:spPr>
+        <p:style>
+          <a:lnRef idx="2">
+            <a:schemeClr val="accent1">
+              <a:shade val="50000"/>
+            </a:schemeClr>
+          </a:lnRef>
+          <a:fillRef idx="1">
+            <a:schemeClr val="accent1"/>
+          </a:fillRef>
+          <a:effectRef idx="0">
+            <a:schemeClr val="accent1"/>
+          </a:effectRef>
+          <a:fontRef idx="minor">
+            <a:schemeClr val="lt1"/>
+          </a:fontRef>
+        </p:style>
+        <p:txBody>
+          <a:bodyPr rtlCol="0" anchor="ctr"/>
+          <a:lstStyle/>
+          <a:p>
+            <a:pPr algn="ctr"/>
+            <a:r>
+              <a:rPr lang="en-US" dirty="0" smtClean="0"/>
+              <a:t>Synthesis</a:t>
+            </a:r>
+            <a:r>
+              <a:rPr lang="en-US" dirty="0" smtClean="0"/>
+              <a:t/>
+            </a:r>
+            <a:br>
+              <a:rPr lang="en-US" dirty="0" smtClean="0"/>
+            </a:br>
+            <a:r>
+              <a:rPr lang="en-US" sz="1400" dirty="0" smtClean="0">
+                <a:solidFill>
+                  <a:schemeClr val="tx1"/>
+                </a:solidFill>
+              </a:rPr>
+              <a:t>(CV)</a:t>
+            </a:r>
+            <a:endParaRPr lang="en-US" sz="1400" dirty="0">
+              <a:solidFill>
+                <a:schemeClr val="tx1"/>
+              </a:solidFill>
+            </a:endParaRPr>
+          </a:p>
+        </p:txBody>
+      </p:sp>
+      <p:sp>
+        <p:nvSpPr>
+          <p:cNvPr id="27" name="TextBox 26"/>
+          <p:cNvSpPr txBox="1"/>
+          <p:nvPr/>
+        </p:nvSpPr>
+        <p:spPr>
+          <a:xfrm>
+            <a:off x="1605244" y="1905338"/>
+            <a:ext cx="1172693" cy="461665"/>
+          </a:xfrm>
+          <a:prstGeom prst="rect">
+            <a:avLst/>
+          </a:prstGeom>
+          <a:noFill/>
+        </p:spPr>
+        <p:txBody>
+          <a:bodyPr wrap="none" rtlCol="0">
+            <a:spAutoFit/>
+          </a:bodyPr>
+          <a:lstStyle/>
+          <a:p>
+            <a:r>
+              <a:rPr lang="en-US" sz="1200" b="1" dirty="0" smtClean="0"/>
+              <a:t>Skew, Rotation,</a:t>
+            </a:r>
+            <a:br>
+              <a:rPr lang="en-US" sz="1200" b="1" dirty="0" smtClean="0"/>
+            </a:br>
+            <a:r>
+              <a:rPr lang="en-US" sz="1200" b="1" dirty="0" smtClean="0"/>
+              <a:t>Filters</a:t>
+            </a:r>
+            <a:endParaRPr lang="en-US" sz="1200" b="1" dirty="0"/>
+          </a:p>
+        </p:txBody>
+      </p:sp>
+      <p:cxnSp>
+        <p:nvCxnSpPr>
+          <p:cNvPr id="29" name="Curved Connector 28"/>
+          <p:cNvCxnSpPr/>
+          <p:nvPr/>
+        </p:nvCxnSpPr>
+        <p:spPr>
+          <a:xfrm>
+            <a:off x="2251269" y="2170679"/>
+            <a:ext cx="761490" cy="448850"/>
+          </a:xfrm>
+          <a:prstGeom prst="curvedConnector3">
+            <a:avLst>
+              <a:gd name="adj1" fmla="val 50000"/>
+            </a:avLst>
+          </a:prstGeom>
+          <a:ln>
+            <a:solidFill>
+              <a:schemeClr val="tx1"/>
+            </a:solidFill>
+            <a:tailEnd type="arrow"/>
+          </a:ln>
+        </p:spPr>
+        <p:style>
+          <a:lnRef idx="1">
+            <a:schemeClr val="accent1"/>
+          </a:lnRef>
+          <a:fillRef idx="0">
+            <a:schemeClr val="accent1"/>
+          </a:fillRef>
+          <a:effectRef idx="0">
+            <a:schemeClr val="accent1"/>
+          </a:effectRef>
+          <a:fontRef idx="minor">
+            <a:schemeClr val="tx1"/>
+          </a:fontRef>
+        </p:style>
+      </p:cxnSp>
+      <p:sp>
+        <p:nvSpPr>
+          <p:cNvPr id="30" name="TextBox 29"/>
+          <p:cNvSpPr txBox="1"/>
+          <p:nvPr/>
+        </p:nvSpPr>
+        <p:spPr>
+          <a:xfrm>
+            <a:off x="5815186" y="1581919"/>
+            <a:ext cx="1754711" cy="276999"/>
+          </a:xfrm>
+          <a:prstGeom prst="rect">
+            <a:avLst/>
+          </a:prstGeom>
+          <a:noFill/>
+        </p:spPr>
+        <p:txBody>
+          <a:bodyPr wrap="none" rtlCol="0">
+            <a:spAutoFit/>
+          </a:bodyPr>
+          <a:lstStyle/>
+          <a:p>
+            <a:r>
+              <a:rPr lang="en-US" sz="1200" b="1" dirty="0" smtClean="0"/>
+              <a:t>New Images Synthesized</a:t>
+            </a:r>
+            <a:endParaRPr lang="en-US" sz="1200" b="1" dirty="0"/>
+          </a:p>
+        </p:txBody>
+      </p:sp>
+      <p:cxnSp>
+        <p:nvCxnSpPr>
+          <p:cNvPr id="31" name="Curved Connector 30"/>
+          <p:cNvCxnSpPr>
+            <a:stCxn id="30" idx="1"/>
+            <a:endCxn id="65" idx="3"/>
+          </p:cNvCxnSpPr>
+          <p:nvPr/>
+        </p:nvCxnSpPr>
+        <p:spPr>
+          <a:xfrm rot="10800000" flipV="1">
+            <a:off x="5310112" y="1720419"/>
+            <a:ext cx="505074" cy="450260"/>
+          </a:xfrm>
+          <a:prstGeom prst="curvedConnector2">
+            <a:avLst/>
+          </a:prstGeom>
+          <a:ln>
+            <a:solidFill>
+              <a:schemeClr val="tx1"/>
+            </a:solidFill>
+            <a:tailEnd type="arrow"/>
+          </a:ln>
+        </p:spPr>
+        <p:style>
+          <a:lnRef idx="1">
+            <a:schemeClr val="accent1"/>
+          </a:lnRef>
+          <a:fillRef idx="0">
+            <a:schemeClr val="accent1"/>
+          </a:fillRef>
+          <a:effectRef idx="0">
+            <a:schemeClr val="accent1"/>
+          </a:effectRef>
+          <a:fontRef idx="minor">
+            <a:schemeClr val="tx1"/>
+          </a:fontRef>
+        </p:style>
+      </p:cxnSp>
+      <p:sp>
+        <p:nvSpPr>
+          <p:cNvPr id="37" name="Oval 36"/>
+          <p:cNvSpPr/>
+          <p:nvPr/>
+        </p:nvSpPr>
+        <p:spPr>
+          <a:xfrm>
+            <a:off x="5101243" y="3063051"/>
+            <a:ext cx="1447800" cy="1576834"/>
+          </a:xfrm>
+          <a:prstGeom prst="ellipse">
+            <a:avLst/>
+          </a:prstGeom>
+          <a:solidFill>
+            <a:srgbClr val="92D050"/>
+          </a:solidFill>
+          <a:ln>
+            <a:solidFill>
+              <a:schemeClr val="accent3">
+                <a:lumMod val="75000"/>
+              </a:schemeClr>
+            </a:solidFill>
+          </a:ln>
+        </p:spPr>
+        <p:style>
+          <a:lnRef idx="2">
+            <a:schemeClr val="accent1">
+              <a:shade val="50000"/>
+            </a:schemeClr>
+          </a:lnRef>
+          <a:fillRef idx="1">
+            <a:schemeClr val="accent1"/>
+          </a:fillRef>
+          <a:effectRef idx="0">
+            <a:schemeClr val="accent1"/>
+          </a:effectRef>
+          <a:fontRef idx="minor">
+            <a:schemeClr val="lt1"/>
+          </a:fontRef>
+        </p:style>
+        <p:txBody>
+          <a:bodyPr rtlCol="0" anchor="ctr"/>
+          <a:lstStyle/>
+          <a:p>
+            <a:pPr algn="ctr"/>
+            <a:r>
+              <a:rPr lang="en-US" dirty="0" smtClean="0"/>
+              <a:t>Transform</a:t>
+            </a:r>
+            <a:r>
+              <a:rPr lang="en-US" dirty="0" smtClean="0"/>
+              <a:t/>
+            </a:r>
+            <a:br>
+              <a:rPr lang="en-US" dirty="0" smtClean="0"/>
+            </a:br>
+            <a:r>
+              <a:rPr lang="en-US" sz="1400" dirty="0" smtClean="0">
+                <a:solidFill>
+                  <a:schemeClr val="tx1"/>
+                </a:solidFill>
+              </a:rPr>
+              <a:t>(CV)</a:t>
+            </a:r>
+            <a:endParaRPr lang="en-US" sz="1400" dirty="0">
+              <a:solidFill>
+                <a:schemeClr val="tx1"/>
+              </a:solidFill>
+            </a:endParaRPr>
+          </a:p>
+        </p:txBody>
+      </p:sp>
+      <p:sp>
+        <p:nvSpPr>
+          <p:cNvPr id="38" name="TextBox 37"/>
+          <p:cNvSpPr txBox="1"/>
+          <p:nvPr/>
+        </p:nvSpPr>
+        <p:spPr>
+          <a:xfrm>
+            <a:off x="3691662" y="4697234"/>
+            <a:ext cx="908454" cy="276999"/>
+          </a:xfrm>
+          <a:prstGeom prst="rect">
+            <a:avLst/>
+          </a:prstGeom>
+          <a:noFill/>
+        </p:spPr>
+        <p:txBody>
+          <a:bodyPr wrap="none" rtlCol="0">
+            <a:spAutoFit/>
+          </a:bodyPr>
+          <a:lstStyle/>
+          <a:p>
+            <a:r>
+              <a:rPr lang="en-US" sz="1200" b="1" dirty="0" smtClean="0"/>
+              <a:t>Direct Feed</a:t>
+            </a:r>
+            <a:endParaRPr lang="en-US" sz="1200" b="1" dirty="0"/>
+          </a:p>
+        </p:txBody>
+      </p:sp>
+      <p:cxnSp>
+        <p:nvCxnSpPr>
+          <p:cNvPr id="39" name="Curved Connector 38"/>
+          <p:cNvCxnSpPr/>
+          <p:nvPr/>
+        </p:nvCxnSpPr>
+        <p:spPr>
+          <a:xfrm rot="5400000" flipH="1" flipV="1">
+            <a:off x="3900117" y="4196603"/>
+            <a:ext cx="622607" cy="263960"/>
+          </a:xfrm>
+          <a:prstGeom prst="curvedConnector3">
+            <a:avLst>
+              <a:gd name="adj1" fmla="val 50000"/>
+            </a:avLst>
+          </a:prstGeom>
+          <a:ln>
+            <a:solidFill>
+              <a:schemeClr val="tx1"/>
+            </a:solidFill>
+            <a:tailEnd type="arrow"/>
+          </a:ln>
+        </p:spPr>
+        <p:style>
+          <a:lnRef idx="1">
+            <a:schemeClr val="accent1"/>
+          </a:lnRef>
+          <a:fillRef idx="0">
+            <a:schemeClr val="accent1"/>
+          </a:fillRef>
+          <a:effectRef idx="0">
+            <a:schemeClr val="accent1"/>
+          </a:effectRef>
+          <a:fontRef idx="minor">
+            <a:schemeClr val="tx1"/>
+          </a:fontRef>
+        </p:style>
+      </p:cxnSp>
+      <p:sp>
+        <p:nvSpPr>
+          <p:cNvPr id="44" name="Right Arrow 43"/>
+          <p:cNvSpPr/>
+          <p:nvPr/>
+        </p:nvSpPr>
+        <p:spPr>
+          <a:xfrm>
+            <a:off x="8265730" y="3373287"/>
+            <a:ext cx="228600" cy="1013966"/>
+          </a:xfrm>
+          <a:prstGeom prst="rightArrow">
+            <a:avLst/>
+          </a:prstGeom>
+          <a:solidFill>
+            <a:schemeClr val="bg1">
+              <a:lumMod val="50000"/>
+            </a:schemeClr>
+          </a:solidFill>
+          <a:ln>
+            <a:solidFill>
+              <a:schemeClr val="bg1">
+                <a:lumMod val="50000"/>
+              </a:schemeClr>
+            </a:solidFill>
+          </a:ln>
+        </p:spPr>
+        <p:style>
+          <a:lnRef idx="2">
+            <a:schemeClr val="accent1">
+              <a:shade val="50000"/>
+            </a:schemeClr>
+          </a:lnRef>
+          <a:fillRef idx="1">
+            <a:schemeClr val="accent1"/>
+          </a:fillRef>
+          <a:effectRef idx="0">
+            <a:schemeClr val="accent1"/>
+          </a:effectRef>
+          <a:fontRef idx="minor">
+            <a:schemeClr val="lt1"/>
+          </a:fontRef>
+        </p:style>
+        <p:txBody>
+          <a:bodyPr rtlCol="0" anchor="ctr"/>
+          <a:lstStyle/>
+          <a:p>
+            <a:pPr algn="ctr"/>
+            <a:endParaRPr lang="en-US"/>
+          </a:p>
+        </p:txBody>
+      </p:sp>
+      <p:cxnSp>
+        <p:nvCxnSpPr>
+          <p:cNvPr id="51" name="Curved Connector 50"/>
+          <p:cNvCxnSpPr/>
+          <p:nvPr/>
+        </p:nvCxnSpPr>
+        <p:spPr>
+          <a:xfrm rot="5400000">
+            <a:off x="8175945" y="2811743"/>
+            <a:ext cx="612587" cy="200242"/>
+          </a:xfrm>
+          <a:prstGeom prst="curvedConnector3">
+            <a:avLst>
+              <a:gd name="adj1" fmla="val 50000"/>
+            </a:avLst>
+          </a:prstGeom>
+          <a:ln>
+            <a:solidFill>
+              <a:schemeClr val="tx1"/>
+            </a:solidFill>
+            <a:tailEnd type="arrow"/>
+          </a:ln>
+        </p:spPr>
+        <p:style>
+          <a:lnRef idx="1">
+            <a:schemeClr val="accent1"/>
+          </a:lnRef>
+          <a:fillRef idx="0">
+            <a:schemeClr val="accent1"/>
+          </a:fillRef>
+          <a:effectRef idx="0">
+            <a:schemeClr val="accent1"/>
+          </a:effectRef>
+          <a:fontRef idx="minor">
+            <a:schemeClr val="tx1"/>
+          </a:fontRef>
+        </p:style>
+      </p:cxnSp>
+      <p:sp>
+        <p:nvSpPr>
+          <p:cNvPr id="52" name="TextBox 51"/>
+          <p:cNvSpPr txBox="1"/>
+          <p:nvPr/>
+        </p:nvSpPr>
+        <p:spPr>
+          <a:xfrm>
+            <a:off x="8292990" y="2400301"/>
+            <a:ext cx="783741" cy="276999"/>
+          </a:xfrm>
+          <a:prstGeom prst="rect">
+            <a:avLst/>
+          </a:prstGeom>
+          <a:noFill/>
+        </p:spPr>
+        <p:txBody>
+          <a:bodyPr wrap="none" rtlCol="0">
+            <a:spAutoFit/>
+          </a:bodyPr>
+          <a:lstStyle/>
+          <a:p>
+            <a:r>
+              <a:rPr lang="en-US" sz="1200" b="1" dirty="0" smtClean="0"/>
+              <a:t>To Model</a:t>
+            </a:r>
+            <a:endParaRPr lang="en-US" sz="1200" b="1" dirty="0"/>
+          </a:p>
+        </p:txBody>
+      </p:sp>
+      <p:cxnSp>
+        <p:nvCxnSpPr>
+          <p:cNvPr id="63" name="Curved Connector 62"/>
+          <p:cNvCxnSpPr>
+            <a:endCxn id="66" idx="2"/>
+          </p:cNvCxnSpPr>
+          <p:nvPr/>
+        </p:nvCxnSpPr>
+        <p:spPr>
+          <a:xfrm rot="5400000" flipH="1" flipV="1">
+            <a:off x="5931600" y="4495137"/>
+            <a:ext cx="965577" cy="749811"/>
+          </a:xfrm>
+          <a:prstGeom prst="curvedConnector3">
+            <a:avLst>
+              <a:gd name="adj1" fmla="val 50000"/>
+            </a:avLst>
+          </a:prstGeom>
+          <a:ln>
+            <a:solidFill>
+              <a:schemeClr val="tx1"/>
+            </a:solidFill>
+            <a:tailEnd type="arrow"/>
+          </a:ln>
+        </p:spPr>
+        <p:style>
+          <a:lnRef idx="1">
+            <a:schemeClr val="accent1"/>
+          </a:lnRef>
+          <a:fillRef idx="0">
+            <a:schemeClr val="accent1"/>
+          </a:fillRef>
+          <a:effectRef idx="0">
+            <a:schemeClr val="accent1"/>
+          </a:effectRef>
+          <a:fontRef idx="minor">
+            <a:schemeClr val="tx1"/>
+          </a:fontRef>
+        </p:style>
+      </p:cxnSp>
+      <p:sp>
+        <p:nvSpPr>
+          <p:cNvPr id="64" name="TextBox 63"/>
+          <p:cNvSpPr txBox="1"/>
+          <p:nvPr/>
+        </p:nvSpPr>
+        <p:spPr>
+          <a:xfrm>
+            <a:off x="4832077" y="5439676"/>
+            <a:ext cx="1881284" cy="461665"/>
+          </a:xfrm>
+          <a:prstGeom prst="rect">
+            <a:avLst/>
+          </a:prstGeom>
+          <a:noFill/>
+        </p:spPr>
+        <p:txBody>
+          <a:bodyPr wrap="none" rtlCol="0">
+            <a:spAutoFit/>
+          </a:bodyPr>
+          <a:lstStyle/>
+          <a:p>
+            <a:r>
+              <a:rPr lang="en-US" sz="1200" b="1" dirty="0" smtClean="0"/>
+              <a:t>Transformed to fit Model’s</a:t>
+            </a:r>
+          </a:p>
+          <a:p>
+            <a:r>
+              <a:rPr lang="en-US" sz="1200" b="1" dirty="0" smtClean="0"/>
+              <a:t>Input vector</a:t>
+            </a:r>
+            <a:endParaRPr lang="en-US" sz="1200" b="1" dirty="0"/>
+          </a:p>
+        </p:txBody>
+      </p:sp>
+      <p:sp>
+        <p:nvSpPr>
+          <p:cNvPr id="65" name="Bent-Up Arrow 64"/>
+          <p:cNvSpPr/>
+          <p:nvPr/>
+        </p:nvSpPr>
+        <p:spPr>
+          <a:xfrm flipV="1">
+            <a:off x="4650867" y="2170679"/>
+            <a:ext cx="1455613" cy="845132"/>
+          </a:xfrm>
+          <a:prstGeom prst="bentUpArrow">
+            <a:avLst>
+              <a:gd name="adj1" fmla="val 17550"/>
+              <a:gd name="adj2" fmla="val 25000"/>
+              <a:gd name="adj3" fmla="val 25000"/>
+            </a:avLst>
+          </a:prstGeom>
+          <a:solidFill>
+            <a:schemeClr val="bg1">
+              <a:lumMod val="50000"/>
+            </a:schemeClr>
+          </a:solidFill>
+          <a:ln>
+            <a:solidFill>
+              <a:schemeClr val="bg1">
+                <a:lumMod val="50000"/>
+              </a:schemeClr>
+            </a:solidFill>
+          </a:ln>
+        </p:spPr>
+        <p:style>
+          <a:lnRef idx="2">
+            <a:schemeClr val="accent1">
+              <a:shade val="50000"/>
+            </a:schemeClr>
+          </a:lnRef>
+          <a:fillRef idx="1">
+            <a:schemeClr val="accent1"/>
+          </a:fillRef>
+          <a:effectRef idx="0">
+            <a:schemeClr val="accent1"/>
+          </a:effectRef>
+          <a:fontRef idx="minor">
+            <a:schemeClr val="lt1"/>
+          </a:fontRef>
+        </p:style>
+        <p:txBody>
+          <a:bodyPr rtlCol="0" anchor="ctr"/>
+          <a:lstStyle/>
+          <a:p>
+            <a:pPr algn="ctr"/>
+            <a:endParaRPr lang="en-US"/>
+          </a:p>
+        </p:txBody>
+      </p:sp>
+      <p:sp>
+        <p:nvSpPr>
+          <p:cNvPr id="66" name="Right Arrow 65"/>
+          <p:cNvSpPr/>
+          <p:nvPr/>
+        </p:nvSpPr>
+        <p:spPr>
+          <a:xfrm>
+            <a:off x="6674994" y="3373287"/>
+            <a:ext cx="228600" cy="1013966"/>
+          </a:xfrm>
+          <a:prstGeom prst="rightArrow">
+            <a:avLst/>
+          </a:prstGeom>
+          <a:solidFill>
+            <a:schemeClr val="bg1">
+              <a:lumMod val="50000"/>
+            </a:schemeClr>
+          </a:solidFill>
+          <a:ln>
+            <a:solidFill>
+              <a:schemeClr val="bg1">
+                <a:lumMod val="50000"/>
+              </a:schemeClr>
+            </a:solidFill>
+          </a:ln>
+        </p:spPr>
+        <p:style>
+          <a:lnRef idx="2">
+            <a:schemeClr val="accent1">
+              <a:shade val="50000"/>
+            </a:schemeClr>
+          </a:lnRef>
+          <a:fillRef idx="1">
+            <a:schemeClr val="accent1"/>
+          </a:fillRef>
+          <a:effectRef idx="0">
+            <a:schemeClr val="accent1"/>
+          </a:effectRef>
+          <a:fontRef idx="minor">
+            <a:schemeClr val="lt1"/>
+          </a:fontRef>
+        </p:style>
+        <p:txBody>
+          <a:bodyPr rtlCol="0" anchor="ctr"/>
+          <a:lstStyle/>
+          <a:p>
+            <a:pPr algn="ctr"/>
+            <a:endParaRPr lang="en-US"/>
+          </a:p>
+        </p:txBody>
+      </p:sp>
+    </p:spTree>
+    <p:extLst>
+      <p:ext uri="{BB962C8B-B14F-4D97-AF65-F5344CB8AC3E}">
+        <p14:creationId xmlns:p14="http://schemas.microsoft.com/office/powerpoint/2010/main" val="1572661549"/>
       </p:ext>
     </p:extLst>
   </p:cSld>

--- a/train/Roadmap - Gap 1.0.pptx
+++ b/train/Roadmap - Gap 1.0.pptx
@@ -198,7 +198,7 @@
           <a:p>
             <a:fld id="{FAF957FC-5175-49AC-8D2B-2F056FFFC1DD}" type="datetimeFigureOut">
               <a:rPr lang="en-US" smtClean="0"/>
-              <a:t>7/26/2018</a:t>
+              <a:t>8/9/2018</a:t>
             </a:fld>
             <a:endParaRPr lang="en-US"/>
           </a:p>
@@ -648,7 +648,7 @@
             <a:fld id="{1D8BD707-D9CF-40AE-B4C6-C98DA3205C09}" type="datetimeFigureOut">
               <a:rPr lang="en-US" smtClean="0"/>
               <a:pPr/>
-              <a:t>7/26/2018</a:t>
+              <a:t>8/9/2018</a:t>
             </a:fld>
             <a:endParaRPr lang="en-US"/>
           </a:p>
@@ -815,7 +815,7 @@
             <a:fld id="{1D8BD707-D9CF-40AE-B4C6-C98DA3205C09}" type="datetimeFigureOut">
               <a:rPr lang="en-US" smtClean="0"/>
               <a:pPr/>
-              <a:t>7/26/2018</a:t>
+              <a:t>8/9/2018</a:t>
             </a:fld>
             <a:endParaRPr lang="en-US"/>
           </a:p>
@@ -992,7 +992,7 @@
             <a:fld id="{1D8BD707-D9CF-40AE-B4C6-C98DA3205C09}" type="datetimeFigureOut">
               <a:rPr lang="en-US" smtClean="0"/>
               <a:pPr/>
-              <a:t>7/26/2018</a:t>
+              <a:t>8/9/2018</a:t>
             </a:fld>
             <a:endParaRPr lang="en-US"/>
           </a:p>
@@ -1159,7 +1159,7 @@
             <a:fld id="{1D8BD707-D9CF-40AE-B4C6-C98DA3205C09}" type="datetimeFigureOut">
               <a:rPr lang="en-US" smtClean="0"/>
               <a:pPr/>
-              <a:t>7/26/2018</a:t>
+              <a:t>8/9/2018</a:t>
             </a:fld>
             <a:endParaRPr lang="en-US"/>
           </a:p>
@@ -1402,7 +1402,7 @@
             <a:fld id="{1D8BD707-D9CF-40AE-B4C6-C98DA3205C09}" type="datetimeFigureOut">
               <a:rPr lang="en-US" smtClean="0"/>
               <a:pPr/>
-              <a:t>7/26/2018</a:t>
+              <a:t>8/9/2018</a:t>
             </a:fld>
             <a:endParaRPr lang="en-US"/>
           </a:p>
@@ -1687,7 +1687,7 @@
             <a:fld id="{1D8BD707-D9CF-40AE-B4C6-C98DA3205C09}" type="datetimeFigureOut">
               <a:rPr lang="en-US" smtClean="0"/>
               <a:pPr/>
-              <a:t>7/26/2018</a:t>
+              <a:t>8/9/2018</a:t>
             </a:fld>
             <a:endParaRPr lang="en-US"/>
           </a:p>
@@ -2106,7 +2106,7 @@
             <a:fld id="{1D8BD707-D9CF-40AE-B4C6-C98DA3205C09}" type="datetimeFigureOut">
               <a:rPr lang="en-US" smtClean="0"/>
               <a:pPr/>
-              <a:t>7/26/2018</a:t>
+              <a:t>8/9/2018</a:t>
             </a:fld>
             <a:endParaRPr lang="en-US"/>
           </a:p>
@@ -2221,7 +2221,7 @@
             <a:fld id="{1D8BD707-D9CF-40AE-B4C6-C98DA3205C09}" type="datetimeFigureOut">
               <a:rPr lang="en-US" smtClean="0"/>
               <a:pPr/>
-              <a:t>7/26/2018</a:t>
+              <a:t>8/9/2018</a:t>
             </a:fld>
             <a:endParaRPr lang="en-US"/>
           </a:p>
@@ -2313,7 +2313,7 @@
             <a:fld id="{1D8BD707-D9CF-40AE-B4C6-C98DA3205C09}" type="datetimeFigureOut">
               <a:rPr lang="en-US" smtClean="0"/>
               <a:pPr/>
-              <a:t>7/26/2018</a:t>
+              <a:t>8/9/2018</a:t>
             </a:fld>
             <a:endParaRPr lang="en-US"/>
           </a:p>
@@ -2587,7 +2587,7 @@
             <a:fld id="{1D8BD707-D9CF-40AE-B4C6-C98DA3205C09}" type="datetimeFigureOut">
               <a:rPr lang="en-US" smtClean="0"/>
               <a:pPr/>
-              <a:t>7/26/2018</a:t>
+              <a:t>8/9/2018</a:t>
             </a:fld>
             <a:endParaRPr lang="en-US"/>
           </a:p>
@@ -2837,7 +2837,7 @@
             <a:fld id="{1D8BD707-D9CF-40AE-B4C6-C98DA3205C09}" type="datetimeFigureOut">
               <a:rPr lang="en-US" smtClean="0"/>
               <a:pPr/>
-              <a:t>7/26/2018</a:t>
+              <a:t>8/9/2018</a:t>
             </a:fld>
             <a:endParaRPr lang="en-US"/>
           </a:p>
@@ -3047,7 +3047,7 @@
             <a:fld id="{1D8BD707-D9CF-40AE-B4C6-C98DA3205C09}" type="datetimeFigureOut">
               <a:rPr lang="en-US" smtClean="0"/>
               <a:pPr/>
-              <a:t>7/26/2018</a:t>
+              <a:t>8/9/2018</a:t>
             </a:fld>
             <a:endParaRPr lang="en-US"/>
           </a:p>
@@ -11734,13 +11734,6 @@
               </a:rPr>
               <a:t>ML Ready Data - Retrieval</a:t>
             </a:r>
-            <a:endParaRPr lang="en-US" sz="2400" b="1" dirty="0" smtClean="0">
-              <a:solidFill>
-                <a:schemeClr val="accent5">
-                  <a:lumMod val="75000"/>
-                </a:schemeClr>
-              </a:solidFill>
-            </a:endParaRPr>
           </a:p>
         </p:txBody>
       </p:sp>
@@ -12221,7 +12214,6 @@
               <a:rPr lang="en-US" sz="1600" dirty="0" smtClean="0"/>
               <a:t>BATCH</a:t>
             </a:r>
-            <a:endParaRPr lang="en-US" sz="1600" dirty="0" smtClean="0"/>
           </a:p>
         </p:txBody>
       </p:sp>
@@ -12503,8 +12495,8 @@
           <a:p>
             <a:pPr algn="ctr"/>
             <a:r>
-              <a:rPr lang="en-US" dirty="0" smtClean="0"/>
-              <a:t>Synthesis</a:t>
+              <a:rPr lang="en-US" smtClean="0"/>
+              <a:t>Augmentation</a:t>
             </a:r>
             <a:r>
               <a:rPr lang="en-US" dirty="0" smtClean="0"/>
@@ -12722,10 +12714,6 @@
             <a:r>
               <a:rPr lang="en-US" dirty="0" smtClean="0"/>
               <a:t>Transform</a:t>
-            </a:r>
-            <a:r>
-              <a:rPr lang="en-US" dirty="0" smtClean="0"/>
-              <a:t/>
             </a:r>
             <a:br>
               <a:rPr lang="en-US" dirty="0" smtClean="0"/>
